--- a/GitHub/images/SDLC Life Cycle Models.pptx
+++ b/GitHub/images/SDLC Life Cycle Models.pptx
@@ -14,7 +14,8 @@
     <p:sldId id="261" r:id="rId8"/>
     <p:sldId id="263" r:id="rId9"/>
     <p:sldId id="262" r:id="rId10"/>
-    <p:sldId id="265" r:id="rId11"/>
+    <p:sldId id="266" r:id="rId11"/>
+    <p:sldId id="265" r:id="rId12"/>
   </p:sldIdLst>
   <p:sldSz cx="9144000" cy="6858000" type="screen4x3"/>
   <p:notesSz cx="6858000" cy="9144000"/>
@@ -314,7 +315,7 @@
             <a:fld id="{27A4B0AD-159F-4249-8A8C-FF3B470062BB}" type="datetimeFigureOut">
               <a:rPr lang="en-US" smtClean="0"/>
               <a:pPr/>
-              <a:t>8/19/2019</a:t>
+              <a:t>8/22/2019</a:t>
             </a:fld>
             <a:endParaRPr lang="en-US"/>
           </a:p>
@@ -481,7 +482,7 @@
             <a:fld id="{27A4B0AD-159F-4249-8A8C-FF3B470062BB}" type="datetimeFigureOut">
               <a:rPr lang="en-US" smtClean="0"/>
               <a:pPr/>
-              <a:t>8/19/2019</a:t>
+              <a:t>8/22/2019</a:t>
             </a:fld>
             <a:endParaRPr lang="en-US"/>
           </a:p>
@@ -658,7 +659,7 @@
             <a:fld id="{27A4B0AD-159F-4249-8A8C-FF3B470062BB}" type="datetimeFigureOut">
               <a:rPr lang="en-US" smtClean="0"/>
               <a:pPr/>
-              <a:t>8/19/2019</a:t>
+              <a:t>8/22/2019</a:t>
             </a:fld>
             <a:endParaRPr lang="en-US"/>
           </a:p>
@@ -825,7 +826,7 @@
             <a:fld id="{27A4B0AD-159F-4249-8A8C-FF3B470062BB}" type="datetimeFigureOut">
               <a:rPr lang="en-US" smtClean="0"/>
               <a:pPr/>
-              <a:t>8/19/2019</a:t>
+              <a:t>8/22/2019</a:t>
             </a:fld>
             <a:endParaRPr lang="en-US"/>
           </a:p>
@@ -1068,7 +1069,7 @@
             <a:fld id="{27A4B0AD-159F-4249-8A8C-FF3B470062BB}" type="datetimeFigureOut">
               <a:rPr lang="en-US" smtClean="0"/>
               <a:pPr/>
-              <a:t>8/19/2019</a:t>
+              <a:t>8/22/2019</a:t>
             </a:fld>
             <a:endParaRPr lang="en-US"/>
           </a:p>
@@ -1353,7 +1354,7 @@
             <a:fld id="{27A4B0AD-159F-4249-8A8C-FF3B470062BB}" type="datetimeFigureOut">
               <a:rPr lang="en-US" smtClean="0"/>
               <a:pPr/>
-              <a:t>8/19/2019</a:t>
+              <a:t>8/22/2019</a:t>
             </a:fld>
             <a:endParaRPr lang="en-US"/>
           </a:p>
@@ -1772,7 +1773,7 @@
             <a:fld id="{27A4B0AD-159F-4249-8A8C-FF3B470062BB}" type="datetimeFigureOut">
               <a:rPr lang="en-US" smtClean="0"/>
               <a:pPr/>
-              <a:t>8/19/2019</a:t>
+              <a:t>8/22/2019</a:t>
             </a:fld>
             <a:endParaRPr lang="en-US"/>
           </a:p>
@@ -1887,7 +1888,7 @@
             <a:fld id="{27A4B0AD-159F-4249-8A8C-FF3B470062BB}" type="datetimeFigureOut">
               <a:rPr lang="en-US" smtClean="0"/>
               <a:pPr/>
-              <a:t>8/19/2019</a:t>
+              <a:t>8/22/2019</a:t>
             </a:fld>
             <a:endParaRPr lang="en-US"/>
           </a:p>
@@ -1979,7 +1980,7 @@
             <a:fld id="{27A4B0AD-159F-4249-8A8C-FF3B470062BB}" type="datetimeFigureOut">
               <a:rPr lang="en-US" smtClean="0"/>
               <a:pPr/>
-              <a:t>8/19/2019</a:t>
+              <a:t>8/22/2019</a:t>
             </a:fld>
             <a:endParaRPr lang="en-US"/>
           </a:p>
@@ -2253,7 +2254,7 @@
             <a:fld id="{27A4B0AD-159F-4249-8A8C-FF3B470062BB}" type="datetimeFigureOut">
               <a:rPr lang="en-US" smtClean="0"/>
               <a:pPr/>
-              <a:t>8/19/2019</a:t>
+              <a:t>8/22/2019</a:t>
             </a:fld>
             <a:endParaRPr lang="en-US"/>
           </a:p>
@@ -2503,7 +2504,7 @@
             <a:fld id="{27A4B0AD-159F-4249-8A8C-FF3B470062BB}" type="datetimeFigureOut">
               <a:rPr lang="en-US" smtClean="0"/>
               <a:pPr/>
-              <a:t>8/19/2019</a:t>
+              <a:t>8/22/2019</a:t>
             </a:fld>
             <a:endParaRPr lang="en-US"/>
           </a:p>
@@ -2713,7 +2714,7 @@
             <a:fld id="{27A4B0AD-159F-4249-8A8C-FF3B470062BB}" type="datetimeFigureOut">
               <a:rPr lang="en-US" smtClean="0"/>
               <a:pPr/>
-              <a:t>8/19/2019</a:t>
+              <a:t>8/22/2019</a:t>
             </a:fld>
             <a:endParaRPr lang="en-US"/>
           </a:p>
@@ -3170,6 +3171,66 @@
           <a:chExt cx="0" cy="0"/>
         </a:xfrm>
       </p:grpSpPr>
+      <p:pic>
+        <p:nvPicPr>
+          <p:cNvPr id="6" name="Picture 5"/>
+          <p:cNvPicPr>
+            <a:picLocks noChangeAspect="1"/>
+          </p:cNvPicPr>
+          <p:nvPr/>
+        </p:nvPicPr>
+        <p:blipFill>
+          <a:blip r:embed="rId2">
+            <a:extLst>
+              <a:ext uri="{28A0092B-C50C-407E-A947-70E740481C1C}">
+                <a14:useLocalDpi xmlns:a14="http://schemas.microsoft.com/office/drawing/2010/main" val="0"/>
+              </a:ext>
+            </a:extLst>
+          </a:blip>
+          <a:stretch>
+            <a:fillRect/>
+          </a:stretch>
+        </p:blipFill>
+        <p:spPr>
+          <a:xfrm>
+            <a:off x="762000" y="1219200"/>
+            <a:ext cx="7000875" cy="3990975"/>
+          </a:xfrm>
+          <a:prstGeom prst="rect">
+            <a:avLst/>
+          </a:prstGeom>
+        </p:spPr>
+      </p:pic>
+    </p:spTree>
+    <p:extLst>
+      <p:ext uri="{BB962C8B-B14F-4D97-AF65-F5344CB8AC3E}">
+        <p14:creationId xmlns:p14="http://schemas.microsoft.com/office/powerpoint/2010/main" val="1080887050"/>
+      </p:ext>
+    </p:extLst>
+  </p:cSld>
+  <p:clrMapOvr>
+    <a:masterClrMapping/>
+  </p:clrMapOvr>
+</p:sld>
+</file>
+
+<file path=ppt/slides/slide11.xml><?xml version="1.0" encoding="utf-8"?>
+<p:sld xmlns:a="http://schemas.openxmlformats.org/drawingml/2006/main" xmlns:r="http://schemas.openxmlformats.org/officeDocument/2006/relationships" xmlns:p="http://schemas.openxmlformats.org/presentationml/2006/main" show="0">
+  <p:cSld>
+    <p:spTree>
+      <p:nvGrpSpPr>
+        <p:cNvPr id="1" name=""/>
+        <p:cNvGrpSpPr/>
+        <p:nvPr/>
+      </p:nvGrpSpPr>
+      <p:grpSpPr>
+        <a:xfrm>
+          <a:off x="0" y="0"/>
+          <a:ext cx="0" cy="0"/>
+          <a:chOff x="0" y="0"/>
+          <a:chExt cx="0" cy="0"/>
+        </a:xfrm>
+      </p:grpSpPr>
       <p:sp>
         <p:nvSpPr>
           <p:cNvPr id="2" name="Title 1"/>
@@ -3220,6 +3281,14 @@
   <p:clrMapOvr>
     <a:masterClrMapping/>
   </p:clrMapOvr>
+  <mc:AlternateContent xmlns:mc="http://schemas.openxmlformats.org/markup-compatibility/2006">
+    <mc:Choice xmlns:p14="http://schemas.microsoft.com/office/powerpoint/2010/main" Requires="p14">
+      <p:transition spd="slow" p14:dur="2000"/>
+    </mc:Choice>
+    <mc:Fallback>
+      <p:transition spd="slow"/>
+    </mc:Fallback>
+  </mc:AlternateContent>
   <p:timing>
     <p:tnLst>
       <p:par>
@@ -3848,6 +3917,66 @@
           </a:prstGeom>
         </p:spPr>
       </p:pic>
+      <p:pic>
+        <p:nvPicPr>
+          <p:cNvPr id="3" name="Picture 2"/>
+          <p:cNvPicPr>
+            <a:picLocks noChangeAspect="1"/>
+          </p:cNvPicPr>
+          <p:nvPr/>
+        </p:nvPicPr>
+        <p:blipFill>
+          <a:blip r:embed="rId3" cstate="print">
+            <a:extLst>
+              <a:ext uri="{28A0092B-C50C-407E-A947-70E740481C1C}">
+                <a14:useLocalDpi xmlns:a14="http://schemas.microsoft.com/office/drawing/2010/main" val="0"/>
+              </a:ext>
+            </a:extLst>
+          </a:blip>
+          <a:stretch>
+            <a:fillRect/>
+          </a:stretch>
+        </p:blipFill>
+        <p:spPr>
+          <a:xfrm>
+            <a:off x="0" y="721048"/>
+            <a:ext cx="9144000" cy="5415903"/>
+          </a:xfrm>
+          <a:prstGeom prst="rect">
+            <a:avLst/>
+          </a:prstGeom>
+        </p:spPr>
+      </p:pic>
+      <p:pic>
+        <p:nvPicPr>
+          <p:cNvPr id="4" name="Picture 3"/>
+          <p:cNvPicPr>
+            <a:picLocks noChangeAspect="1"/>
+          </p:cNvPicPr>
+          <p:nvPr/>
+        </p:nvPicPr>
+        <p:blipFill>
+          <a:blip r:embed="rId4" cstate="print">
+            <a:extLst>
+              <a:ext uri="{28A0092B-C50C-407E-A947-70E740481C1C}">
+                <a14:useLocalDpi xmlns:a14="http://schemas.microsoft.com/office/drawing/2010/main" val="0"/>
+              </a:ext>
+            </a:extLst>
+          </a:blip>
+          <a:stretch>
+            <a:fillRect/>
+          </a:stretch>
+        </p:blipFill>
+        <p:spPr>
+          <a:xfrm>
+            <a:off x="0" y="721048"/>
+            <a:ext cx="9144000" cy="5415903"/>
+          </a:xfrm>
+          <a:prstGeom prst="rect">
+            <a:avLst/>
+          </a:prstGeom>
+        </p:spPr>
+      </p:pic>
     </p:spTree>
   </p:cSld>
   <p:clrMapOvr>
@@ -3880,446 +4009,36 @@
           <a:chExt cx="0" cy="0"/>
         </a:xfrm>
       </p:grpSpPr>
-      <p:sp>
-        <p:nvSpPr>
-          <p:cNvPr id="2" name="Title 1"/>
-          <p:cNvSpPr>
-            <a:spLocks noGrp="1"/>
-          </p:cNvSpPr>
-          <p:nvPr>
-            <p:ph type="title"/>
-          </p:nvPr>
-        </p:nvSpPr>
+      <p:pic>
+        <p:nvPicPr>
+          <p:cNvPr id="4" name="Picture 3"/>
+          <p:cNvPicPr>
+            <a:picLocks noChangeAspect="1"/>
+          </p:cNvPicPr>
+          <p:nvPr/>
+        </p:nvPicPr>
+        <p:blipFill>
+          <a:blip r:embed="rId2" cstate="print">
+            <a:extLst>
+              <a:ext uri="{28A0092B-C50C-407E-A947-70E740481C1C}">
+                <a14:useLocalDpi xmlns:a14="http://schemas.microsoft.com/office/drawing/2010/main" val="0"/>
+              </a:ext>
+            </a:extLst>
+          </a:blip>
+          <a:stretch>
+            <a:fillRect/>
+          </a:stretch>
+        </p:blipFill>
         <p:spPr>
           <a:xfrm>
-            <a:off x="533400" y="533400"/>
-            <a:ext cx="8382000" cy="6019800"/>
+            <a:off x="0" y="2175594"/>
+            <a:ext cx="9144000" cy="2506811"/>
           </a:xfrm>
+          <a:prstGeom prst="rect">
+            <a:avLst/>
+          </a:prstGeom>
         </p:spPr>
-        <p:txBody>
-          <a:bodyPr>
-            <a:noAutofit/>
-          </a:bodyPr>
-          <a:lstStyle/>
-          <a:p>
-            <a:pPr algn="l"/>
-            <a:r>
-              <a:rPr lang="en-US" sz="2800" b="1" dirty="0" smtClean="0">
-                <a:solidFill>
-                  <a:schemeClr val="tx2">
-                    <a:lumMod val="60000"/>
-                    <a:lumOff val="40000"/>
-                  </a:schemeClr>
-                </a:solidFill>
-              </a:rPr>
-              <a:t>Tools we are going to cover:</a:t>
-            </a:r>
-            <a:r>
-              <a:rPr lang="en-US" sz="2000" b="1" dirty="0" smtClean="0">
-                <a:solidFill>
-                  <a:schemeClr val="accent6">
-                    <a:lumMod val="75000"/>
-                  </a:schemeClr>
-                </a:solidFill>
-              </a:rPr>
-              <a:t/>
-            </a:r>
-            <a:br>
-              <a:rPr lang="en-US" sz="2000" b="1" dirty="0" smtClean="0">
-                <a:solidFill>
-                  <a:schemeClr val="accent6">
-                    <a:lumMod val="75000"/>
-                  </a:schemeClr>
-                </a:solidFill>
-              </a:rPr>
-            </a:br>
-            <a:r>
-              <a:rPr lang="en-US" sz="2000" b="1" dirty="0" smtClean="0">
-                <a:solidFill>
-                  <a:schemeClr val="accent6">
-                    <a:lumMod val="75000"/>
-                  </a:schemeClr>
-                </a:solidFill>
-              </a:rPr>
-              <a:t/>
-            </a:r>
-            <a:br>
-              <a:rPr lang="en-US" sz="2000" b="1" dirty="0" smtClean="0">
-                <a:solidFill>
-                  <a:schemeClr val="accent6">
-                    <a:lumMod val="75000"/>
-                  </a:schemeClr>
-                </a:solidFill>
-              </a:rPr>
-            </a:br>
-            <a:r>
-              <a:rPr lang="en-US" sz="2000" b="1" dirty="0" smtClean="0">
-                <a:solidFill>
-                  <a:schemeClr val="accent6">
-                    <a:lumMod val="75000"/>
-                  </a:schemeClr>
-                </a:solidFill>
-              </a:rPr>
-              <a:t/>
-            </a:r>
-            <a:br>
-              <a:rPr lang="en-US" sz="2000" b="1" dirty="0" smtClean="0">
-                <a:solidFill>
-                  <a:schemeClr val="accent6">
-                    <a:lumMod val="75000"/>
-                  </a:schemeClr>
-                </a:solidFill>
-              </a:rPr>
-            </a:br>
-            <a:r>
-              <a:rPr lang="en-US" sz="2000" b="1" dirty="0" smtClean="0">
-                <a:solidFill>
-                  <a:schemeClr val="accent3">
-                    <a:lumMod val="75000"/>
-                  </a:schemeClr>
-                </a:solidFill>
-              </a:rPr>
-              <a:t>-	</a:t>
-            </a:r>
-            <a:r>
-              <a:rPr lang="en-US" sz="2000" dirty="0" err="1" smtClean="0">
-                <a:solidFill>
-                  <a:schemeClr val="accent3">
-                    <a:lumMod val="75000"/>
-                  </a:schemeClr>
-                </a:solidFill>
-              </a:rPr>
-              <a:t>Git</a:t>
-            </a:r>
-            <a:r>
-              <a:rPr lang="en-US" sz="2000" dirty="0" smtClean="0">
-                <a:solidFill>
-                  <a:schemeClr val="accent3">
-                    <a:lumMod val="75000"/>
-                  </a:schemeClr>
-                </a:solidFill>
-              </a:rPr>
-              <a:t>/GitHub</a:t>
-            </a:r>
-            <a:br>
-              <a:rPr lang="en-US" sz="2000" dirty="0" smtClean="0">
-                <a:solidFill>
-                  <a:schemeClr val="accent3">
-                    <a:lumMod val="75000"/>
-                  </a:schemeClr>
-                </a:solidFill>
-              </a:rPr>
-            </a:br>
-            <a:r>
-              <a:rPr lang="en-US" sz="2000" dirty="0" smtClean="0">
-                <a:solidFill>
-                  <a:schemeClr val="accent3">
-                    <a:lumMod val="75000"/>
-                  </a:schemeClr>
-                </a:solidFill>
-              </a:rPr>
-              <a:t>- 	Maven/NPM</a:t>
-            </a:r>
-            <a:br>
-              <a:rPr lang="en-US" sz="2000" dirty="0" smtClean="0">
-                <a:solidFill>
-                  <a:schemeClr val="accent3">
-                    <a:lumMod val="75000"/>
-                  </a:schemeClr>
-                </a:solidFill>
-              </a:rPr>
-            </a:br>
-            <a:r>
-              <a:rPr lang="en-US" sz="2000" dirty="0" smtClean="0">
-                <a:solidFill>
-                  <a:schemeClr val="accent3">
-                    <a:lumMod val="75000"/>
-                  </a:schemeClr>
-                </a:solidFill>
-              </a:rPr>
-              <a:t>-  	</a:t>
-            </a:r>
-            <a:r>
-              <a:rPr lang="en-US" sz="2000" dirty="0" err="1" smtClean="0">
-                <a:solidFill>
-                  <a:schemeClr val="accent3">
-                    <a:lumMod val="75000"/>
-                  </a:schemeClr>
-                </a:solidFill>
-              </a:rPr>
-              <a:t>TomCat</a:t>
-            </a:r>
-            <a:r>
-              <a:rPr lang="en-US" sz="2000" dirty="0" smtClean="0">
-                <a:solidFill>
-                  <a:schemeClr val="accent3">
-                    <a:lumMod val="75000"/>
-                  </a:schemeClr>
-                </a:solidFill>
-              </a:rPr>
-              <a:t/>
-            </a:r>
-            <a:br>
-              <a:rPr lang="en-US" sz="2000" dirty="0" smtClean="0">
-                <a:solidFill>
-                  <a:schemeClr val="accent3">
-                    <a:lumMod val="75000"/>
-                  </a:schemeClr>
-                </a:solidFill>
-              </a:rPr>
-            </a:br>
-            <a:r>
-              <a:rPr lang="en-US" sz="2000" dirty="0" smtClean="0">
-                <a:solidFill>
-                  <a:schemeClr val="accent3">
-                    <a:lumMod val="75000"/>
-                  </a:schemeClr>
-                </a:solidFill>
-              </a:rPr>
-              <a:t>-	Jenkins</a:t>
-            </a:r>
-            <a:br>
-              <a:rPr lang="en-US" sz="2000" dirty="0" smtClean="0">
-                <a:solidFill>
-                  <a:schemeClr val="accent3">
-                    <a:lumMod val="75000"/>
-                  </a:schemeClr>
-                </a:solidFill>
-              </a:rPr>
-            </a:br>
-            <a:r>
-              <a:rPr lang="en-US" sz="2000" dirty="0" smtClean="0">
-                <a:solidFill>
-                  <a:schemeClr val="accent3">
-                    <a:lumMod val="75000"/>
-                  </a:schemeClr>
-                </a:solidFill>
-              </a:rPr>
-              <a:t>- 	</a:t>
-            </a:r>
-            <a:r>
-              <a:rPr lang="en-US" sz="2000" dirty="0" err="1" smtClean="0">
-                <a:solidFill>
-                  <a:schemeClr val="accent3">
-                    <a:lumMod val="75000"/>
-                  </a:schemeClr>
-                </a:solidFill>
-              </a:rPr>
-              <a:t>Ansible</a:t>
-            </a:r>
-            <a:r>
-              <a:rPr lang="en-US" sz="2000" dirty="0" smtClean="0">
-                <a:solidFill>
-                  <a:schemeClr val="accent3">
-                    <a:lumMod val="75000"/>
-                  </a:schemeClr>
-                </a:solidFill>
-              </a:rPr>
-              <a:t/>
-            </a:r>
-            <a:br>
-              <a:rPr lang="en-US" sz="2000" dirty="0" smtClean="0">
-                <a:solidFill>
-                  <a:schemeClr val="accent3">
-                    <a:lumMod val="75000"/>
-                  </a:schemeClr>
-                </a:solidFill>
-              </a:rPr>
-            </a:br>
-            <a:r>
-              <a:rPr lang="en-US" sz="2000" dirty="0" smtClean="0">
-                <a:solidFill>
-                  <a:schemeClr val="accent3">
-                    <a:lumMod val="75000"/>
-                  </a:schemeClr>
-                </a:solidFill>
-              </a:rPr>
-              <a:t>-	Docker</a:t>
-            </a:r>
-            <a:br>
-              <a:rPr lang="en-US" sz="2000" dirty="0" smtClean="0">
-                <a:solidFill>
-                  <a:schemeClr val="accent3">
-                    <a:lumMod val="75000"/>
-                  </a:schemeClr>
-                </a:solidFill>
-              </a:rPr>
-            </a:br>
-            <a:r>
-              <a:rPr lang="en-US" sz="2000" dirty="0" smtClean="0">
-                <a:solidFill>
-                  <a:schemeClr val="accent3">
-                    <a:lumMod val="75000"/>
-                  </a:schemeClr>
-                </a:solidFill>
-              </a:rPr>
-              <a:t>- 	Kubernetes</a:t>
-            </a:r>
-            <a:br>
-              <a:rPr lang="en-US" sz="2000" dirty="0" smtClean="0">
-                <a:solidFill>
-                  <a:schemeClr val="accent3">
-                    <a:lumMod val="75000"/>
-                  </a:schemeClr>
-                </a:solidFill>
-              </a:rPr>
-            </a:br>
-            <a:r>
-              <a:rPr lang="en-US" sz="2000" dirty="0" smtClean="0">
-                <a:solidFill>
-                  <a:schemeClr val="accent3">
-                    <a:lumMod val="75000"/>
-                  </a:schemeClr>
-                </a:solidFill>
-              </a:rPr>
-              <a:t>-	Nexus</a:t>
-            </a:r>
-            <a:br>
-              <a:rPr lang="en-US" sz="2000" dirty="0" smtClean="0">
-                <a:solidFill>
-                  <a:schemeClr val="accent3">
-                    <a:lumMod val="75000"/>
-                  </a:schemeClr>
-                </a:solidFill>
-              </a:rPr>
-            </a:br>
-            <a:r>
-              <a:rPr lang="en-US" sz="2000" dirty="0" smtClean="0">
-                <a:solidFill>
-                  <a:schemeClr val="accent3">
-                    <a:lumMod val="75000"/>
-                  </a:schemeClr>
-                </a:solidFill>
-              </a:rPr>
-              <a:t>- 	</a:t>
-            </a:r>
-            <a:r>
-              <a:rPr lang="en-US" sz="2000" dirty="0" err="1" smtClean="0">
-                <a:solidFill>
-                  <a:schemeClr val="accent3">
-                    <a:lumMod val="75000"/>
-                  </a:schemeClr>
-                </a:solidFill>
-              </a:rPr>
-              <a:t>SonarQube</a:t>
-            </a:r>
-            <a:r>
-              <a:rPr lang="en-US" sz="2000" dirty="0" smtClean="0">
-                <a:solidFill>
-                  <a:schemeClr val="accent3">
-                    <a:lumMod val="75000"/>
-                  </a:schemeClr>
-                </a:solidFill>
-              </a:rPr>
-              <a:t/>
-            </a:r>
-            <a:br>
-              <a:rPr lang="en-US" sz="2000" dirty="0" smtClean="0">
-                <a:solidFill>
-                  <a:schemeClr val="accent3">
-                    <a:lumMod val="75000"/>
-                  </a:schemeClr>
-                </a:solidFill>
-              </a:rPr>
-            </a:br>
-            <a:r>
-              <a:rPr lang="en-US" sz="2000" dirty="0" smtClean="0">
-                <a:solidFill>
-                  <a:schemeClr val="accent3">
-                    <a:lumMod val="75000"/>
-                  </a:schemeClr>
-                </a:solidFill>
-              </a:rPr>
-              <a:t>-	Apache/Nginx</a:t>
-            </a:r>
-            <a:br>
-              <a:rPr lang="en-US" sz="2000" dirty="0" smtClean="0">
-                <a:solidFill>
-                  <a:schemeClr val="accent3">
-                    <a:lumMod val="75000"/>
-                  </a:schemeClr>
-                </a:solidFill>
-              </a:rPr>
-            </a:br>
-            <a:r>
-              <a:rPr lang="en-US" sz="2000" dirty="0" smtClean="0">
-                <a:solidFill>
-                  <a:schemeClr val="accent3">
-                    <a:lumMod val="75000"/>
-                  </a:schemeClr>
-                </a:solidFill>
-              </a:rPr>
-              <a:t>- 	Nagios/</a:t>
-            </a:r>
-            <a:r>
-              <a:rPr lang="en-US" sz="2000" dirty="0" err="1" smtClean="0">
-                <a:solidFill>
-                  <a:schemeClr val="accent3">
-                    <a:lumMod val="75000"/>
-                  </a:schemeClr>
-                </a:solidFill>
-              </a:rPr>
-              <a:t>Grafana</a:t>
-            </a:r>
-            <a:r>
-              <a:rPr lang="en-US" sz="2000" dirty="0" smtClean="0">
-                <a:solidFill>
-                  <a:schemeClr val="accent3">
-                    <a:lumMod val="75000"/>
-                  </a:schemeClr>
-                </a:solidFill>
-              </a:rPr>
-              <a:t>/</a:t>
-            </a:r>
-            <a:r>
-              <a:rPr lang="en-US" sz="2000" dirty="0" err="1" smtClean="0">
-                <a:solidFill>
-                  <a:schemeClr val="accent3">
-                    <a:lumMod val="75000"/>
-                  </a:schemeClr>
-                </a:solidFill>
-              </a:rPr>
-              <a:t>Monit</a:t>
-            </a:r>
-            <a:r>
-              <a:rPr lang="en-US" sz="2000" dirty="0" smtClean="0">
-                <a:solidFill>
-                  <a:schemeClr val="accent3">
-                    <a:lumMod val="75000"/>
-                  </a:schemeClr>
-                </a:solidFill>
-              </a:rPr>
-              <a:t/>
-            </a:r>
-            <a:br>
-              <a:rPr lang="en-US" sz="2000" dirty="0" smtClean="0">
-                <a:solidFill>
-                  <a:schemeClr val="accent3">
-                    <a:lumMod val="75000"/>
-                  </a:schemeClr>
-                </a:solidFill>
-              </a:rPr>
-            </a:br>
-            <a:r>
-              <a:rPr lang="en-US" sz="2000" dirty="0" smtClean="0">
-                <a:solidFill>
-                  <a:schemeClr val="accent3">
-                    <a:lumMod val="75000"/>
-                  </a:schemeClr>
-                </a:solidFill>
-              </a:rPr>
-              <a:t>- 	AWS ( EC2,VPC,RDS)</a:t>
-            </a:r>
-            <a:endParaRPr lang="en-US" sz="2000" dirty="0">
-              <a:solidFill>
-                <a:schemeClr val="accent3">
-                  <a:lumMod val="75000"/>
-                </a:schemeClr>
-              </a:solidFill>
-            </a:endParaRPr>
-          </a:p>
-        </p:txBody>
-      </p:sp>
+      </p:pic>
     </p:spTree>
   </p:cSld>
   <p:clrMapOvr>
